--- a/XCADeferred/Presentations/IHE 2019 Presentation - XCA Deferred Response Option.pptx
+++ b/XCADeferred/Presentations/IHE 2019 Presentation - XCA Deferred Response Option.pptx
@@ -6417,7 +6417,7 @@
           <p:nvPr/>
         </p:nvPicPr>
         <p:blipFill rotWithShape="1">
-          <a:blip r:embed="rId3">
+          <a:blip r:embed="rId5">
             <a:alphaModFix amt="60000"/>
           </a:blip>
           <a:srcRect/>
@@ -6444,7 +6444,7 @@
           <p:nvPr/>
         </p:nvPicPr>
         <p:blipFill rotWithShape="1">
-          <a:blip r:embed="rId4">
+          <a:blip r:embed="rId6">
             <a:alphaModFix/>
           </a:blip>
           <a:srcRect t="12502" b="12495"/>
@@ -6615,7 +6615,7 @@
           <p:nvPr/>
         </p:nvPicPr>
         <p:blipFill rotWithShape="1">
-          <a:blip r:embed="rId5">
+          <a:blip r:embed="rId7">
             <a:alphaModFix/>
           </a:blip>
           <a:srcRect/>
@@ -6635,11 +6635,139 @@
           </a:ln>
         </p:spPr>
       </p:pic>
+      <p:pic>
+        <p:nvPicPr>
+          <p:cNvPr id="2" name="Screen Recorded 64.mp3">
+            <a:hlinkClick r:id="" action="ppaction://media"/>
+          </p:cNvPr>
+          <p:cNvPicPr>
+            <a:picLocks noChangeAspect="1"/>
+          </p:cNvPicPr>
+          <p:nvPr>
+            <a:audioFile r:link="rId2"/>
+            <p:extLst>
+              <p:ext uri="{DAA4B4D4-6D71-4841-9C94-3DE7FCFB9230}">
+                <p14:media xmlns:p14="http://schemas.microsoft.com/office/powerpoint/2010/main" r:embed="rId1"/>
+              </p:ext>
+            </p:extLst>
+          </p:nvPr>
+        </p:nvPicPr>
+        <p:blipFill>
+          <a:blip r:embed="rId8"/>
+          <a:stretch>
+            <a:fillRect/>
+          </a:stretch>
+        </p:blipFill>
+        <p:spPr>
+          <a:xfrm>
+            <a:off x="7990350" y="3982635"/>
+            <a:ext cx="812800" cy="812800"/>
+          </a:xfrm>
+          <a:prstGeom prst="rect">
+            <a:avLst/>
+          </a:prstGeom>
+        </p:spPr>
+      </p:pic>
     </p:spTree>
   </p:cSld>
   <p:clrMapOvr>
     <a:masterClrMapping/>
   </p:clrMapOvr>
+  <mc:AlternateContent xmlns:mc="http://schemas.openxmlformats.org/markup-compatibility/2006" xmlns:p14="http://schemas.microsoft.com/office/powerpoint/2010/main">
+    <mc:Choice Requires="p14">
+      <p:transition spd="slow" p14:dur="2000" advClick="0" advTm="10000"/>
+    </mc:Choice>
+    <mc:Fallback xmlns="">
+      <p:transition xmlns:p14="http://schemas.microsoft.com/office/powerpoint/2010/main" spd="slow" advClick="0" advTm="10000"/>
+    </mc:Fallback>
+  </mc:AlternateContent>
+  <p:timing>
+    <p:tnLst>
+      <p:par>
+        <p:cTn xmlns:p14="http://schemas.microsoft.com/office/powerpoint/2010/main" id="1" dur="indefinite" restart="never" nodeType="tmRoot">
+          <p:childTnLst>
+            <p:seq concurrent="1" nextAc="seek">
+              <p:cTn id="2" dur="indefinite" nodeType="mainSeq">
+                <p:childTnLst>
+                  <p:par>
+                    <p:cTn id="3" fill="hold">
+                      <p:stCondLst>
+                        <p:cond delay="indefinite"/>
+                        <p:cond evt="onBegin" delay="0">
+                          <p:tn val="2"/>
+                        </p:cond>
+                      </p:stCondLst>
+                      <p:childTnLst>
+                        <p:par>
+                          <p:cTn id="4" fill="hold">
+                            <p:stCondLst>
+                              <p:cond delay="0"/>
+                            </p:stCondLst>
+                            <p:childTnLst>
+                              <p:par>
+                                <p:cTn id="5" presetID="1" presetClass="mediacall" presetSubtype="0" fill="hold" nodeType="afterEffect">
+                                  <p:stCondLst>
+                                    <p:cond delay="0"/>
+                                  </p:stCondLst>
+                                  <p:childTnLst>
+                                    <p:cmd type="call" cmd="playFrom(0.0)">
+                                      <p:cBhvr>
+                                        <p:cTn id="6" dur="1" fill="hold"/>
+                                        <p:tgtEl>
+                                          <p:spTgt spid="2"/>
+                                        </p:tgtEl>
+                                      </p:cBhvr>
+                                    </p:cmd>
+                                  </p:childTnLst>
+                                </p:cTn>
+                              </p:par>
+                            </p:childTnLst>
+                          </p:cTn>
+                        </p:par>
+                      </p:childTnLst>
+                    </p:cTn>
+                  </p:par>
+                </p:childTnLst>
+              </p:cTn>
+              <p:prevCondLst>
+                <p:cond evt="onPrev" delay="0">
+                  <p:tgtEl>
+                    <p:sldTgt/>
+                  </p:tgtEl>
+                </p:cond>
+              </p:prevCondLst>
+              <p:nextCondLst>
+                <p:cond evt="onNext" delay="0">
+                  <p:tgtEl>
+                    <p:sldTgt/>
+                  </p:tgtEl>
+                </p:cond>
+              </p:nextCondLst>
+            </p:seq>
+            <p:audio>
+              <p:cMediaNode vol="35849" numSld="999" showWhenStopped="0">
+                <p:cTn id="7" fill="hold" display="0">
+                  <p:stCondLst>
+                    <p:cond delay="indefinite"/>
+                  </p:stCondLst>
+                  <p:endCondLst>
+                    <p:cond evt="onStopAudio" delay="0">
+                      <p:tgtEl>
+                        <p:sldTgt/>
+                      </p:tgtEl>
+                    </p:cond>
+                  </p:endCondLst>
+                </p:cTn>
+                <p:tgtEl>
+                  <p:spTgt spid="2"/>
+                </p:tgtEl>
+              </p:cMediaNode>
+            </p:audio>
+          </p:childTnLst>
+        </p:cTn>
+      </p:par>
+    </p:tnLst>
+  </p:timing>
 </p:sld>
 </file>
 
@@ -6971,6 +7099,21 @@
   <p:clrMapOvr>
     <a:masterClrMapping/>
   </p:clrMapOvr>
+  <mc:AlternateContent xmlns:mc="http://schemas.openxmlformats.org/markup-compatibility/2006" xmlns:p14="http://schemas.microsoft.com/office/powerpoint/2010/main">
+    <mc:Choice Requires="p14">
+      <p:transition spd="slow" p14:dur="2000" advClick="0" advTm="85000"/>
+    </mc:Choice>
+    <mc:Fallback xmlns="">
+      <p:transition xmlns:p14="http://schemas.microsoft.com/office/powerpoint/2010/main" spd="slow" advClick="0" advTm="85000"/>
+    </mc:Fallback>
+  </mc:AlternateContent>
+  <p:timing>
+    <p:tnLst>
+      <p:par>
+        <p:cTn xmlns:p14="http://schemas.microsoft.com/office/powerpoint/2010/main" id="1" dur="indefinite" restart="never" nodeType="tmRoot"/>
+      </p:par>
+    </p:tnLst>
+  </p:timing>
 </p:sld>
 </file>
 
@@ -7219,6 +7362,13 @@
   <p:clrMapOvr>
     <a:masterClrMapping/>
   </p:clrMapOvr>
+  <p:timing>
+    <p:tnLst>
+      <p:par>
+        <p:cTn xmlns:p14="http://schemas.microsoft.com/office/powerpoint/2010/main" id="1" dur="indefinite" restart="never" nodeType="tmRoot"/>
+      </p:par>
+    </p:tnLst>
+  </p:timing>
 </p:sld>
 </file>
 
